--- a/Results of the Programing week.pptx
+++ b/Results of the Programing week.pptx
@@ -247,7 +247,7 @@
             <a:pPr rtl="0"/>
             <a:fld id="{6BC4ED84-6EAE-4BB9-A239-A4541838CFBF}" type="datetime1">
               <a:rPr lang="fr-FR" smtClean="0"/>
-              <a:t>03/07/2025</a:t>
+              <a:t>04/07/2025</a:t>
             </a:fld>
             <a:endParaRPr lang="fr-FR"/>
           </a:p>
@@ -429,7 +429,7 @@
             <a:fld id="{30AA49DA-9B4C-4C11-AFC5-1C9CC1D3D925}" type="datetime1">
               <a:rPr lang="fr-FR" smtClean="0"/>
               <a:pPr/>
-              <a:t>03/07/2025</a:t>
+              <a:t>04/07/2025</a:t>
             </a:fld>
             <a:endParaRPr lang="fr-FR" dirty="0"/>
           </a:p>
@@ -20321,7 +20321,7 @@
         </p:nvSpPr>
         <p:spPr>
           <a:xfrm>
-            <a:off x="1508760" y="4156405"/>
+            <a:off x="238589" y="4590763"/>
             <a:ext cx="3139440" cy="1325563"/>
           </a:xfrm>
         </p:spPr>
@@ -20442,59 +20442,68 @@
           </a:p>
         </p:txBody>
       </p:sp>
-      <p:sp>
-        <p:nvSpPr>
-          <p:cNvPr id="30" name="Rectangle 29">
-            <a:extLst>
-              <a:ext uri="{FF2B5EF4-FFF2-40B4-BE49-F238E27FC236}">
-                <a16:creationId xmlns:a16="http://schemas.microsoft.com/office/drawing/2014/main" id="{2C033F01-535F-2B86-AE3B-676816173E18}"/>
-              </a:ext>
-            </a:extLst>
-          </p:cNvPr>
-          <p:cNvSpPr/>
+      <p:pic>
+        <p:nvPicPr>
+          <p:cNvPr id="4" name="Image 3">
+            <a:extLst>
+              <a:ext uri="{FF2B5EF4-FFF2-40B4-BE49-F238E27FC236}">
+                <a16:creationId xmlns:a16="http://schemas.microsoft.com/office/drawing/2014/main" id="{9CFF927B-672D-6A8D-1F6D-B0440676D0FF}"/>
+              </a:ext>
+            </a:extLst>
+          </p:cNvPr>
+          <p:cNvPicPr>
+            <a:picLocks noChangeAspect="1"/>
+          </p:cNvPicPr>
           <p:nvPr/>
-        </p:nvSpPr>
-        <p:spPr>
-          <a:xfrm>
-            <a:off x="5824728" y="1426464"/>
-            <a:ext cx="5669280" cy="3895344"/>
+        </p:nvPicPr>
+        <p:blipFill>
+          <a:blip r:embed="rId3"/>
+          <a:srcRect t="57734"/>
+          <a:stretch>
+            <a:fillRect/>
+          </a:stretch>
+        </p:blipFill>
+        <p:spPr>
+          <a:xfrm>
+            <a:off x="6733638" y="1564894"/>
+            <a:ext cx="5376066" cy="4544568"/>
           </a:xfrm>
           <a:prstGeom prst="rect">
             <a:avLst/>
           </a:prstGeom>
         </p:spPr>
-        <p:style>
-          <a:lnRef idx="2">
-            <a:schemeClr val="accent1">
-              <a:shade val="15000"/>
-            </a:schemeClr>
-          </a:lnRef>
-          <a:fillRef idx="1">
-            <a:schemeClr val="accent1"/>
-          </a:fillRef>
-          <a:effectRef idx="0">
-            <a:schemeClr val="accent1"/>
-          </a:effectRef>
-          <a:fontRef idx="minor">
-            <a:schemeClr val="lt1"/>
-          </a:fontRef>
-        </p:style>
-        <p:txBody>
-          <a:bodyPr rtlCol="0" anchor="ctr"/>
-          <a:lstStyle/>
-          <a:p>
-            <a:pPr algn="ctr"/>
-            <a:r>
-              <a:rPr lang="fr-FR" dirty="0">
-                <a:highlight>
-                  <a:srgbClr val="0000FF"/>
-                </a:highlight>
-              </a:rPr>
-              <a:t>PLANNING PHOTO</a:t>
-            </a:r>
-          </a:p>
-        </p:txBody>
-      </p:sp>
+      </p:pic>
+      <p:pic>
+        <p:nvPicPr>
+          <p:cNvPr id="5" name="Image 4">
+            <a:extLst>
+              <a:ext uri="{FF2B5EF4-FFF2-40B4-BE49-F238E27FC236}">
+                <a16:creationId xmlns:a16="http://schemas.microsoft.com/office/drawing/2014/main" id="{F26A26CF-B15E-2421-3577-7E835EBC8FA1}"/>
+              </a:ext>
+            </a:extLst>
+          </p:cNvPr>
+          <p:cNvPicPr>
+            <a:picLocks noChangeAspect="1"/>
+          </p:cNvPicPr>
+          <p:nvPr/>
+        </p:nvPicPr>
+        <p:blipFill>
+          <a:blip r:embed="rId3"/>
+          <a:srcRect b="50009"/>
+          <a:stretch>
+            <a:fillRect/>
+          </a:stretch>
+        </p:blipFill>
+        <p:spPr>
+          <a:xfrm>
+            <a:off x="2616545" y="1564894"/>
+            <a:ext cx="4545410" cy="4544568"/>
+          </a:xfrm>
+          <a:prstGeom prst="rect">
+            <a:avLst/>
+          </a:prstGeom>
+        </p:spPr>
+      </p:pic>
     </p:spTree>
     <p:extLst>
       <p:ext uri="{BB962C8B-B14F-4D97-AF65-F5344CB8AC3E}">
@@ -20863,8 +20872,8 @@
           </a:p>
         </p:txBody>
       </p:sp>
-      <mc:AlternateContent xmlns:mc="http://schemas.openxmlformats.org/markup-compatibility/2006">
-        <mc:Choice xmlns:a14="http://schemas.microsoft.com/office/drawing/2010/main" Requires="a14">
+      <mc:AlternateContent xmlns:mc="http://schemas.openxmlformats.org/markup-compatibility/2006" xmlns:a14="http://schemas.microsoft.com/office/drawing/2010/main">
+        <mc:Choice Requires="a14">
           <p:sp>
             <p:nvSpPr>
               <p:cNvPr id="4" name="ZoneTexte 3">
@@ -20893,6 +20902,7 @@
               </a:bodyPr>
               <a:lstStyle/>
               <a:p>
+                <a:pPr/>
                 <a14:m>
                   <m:oMathPara xmlns:m="http://schemas.openxmlformats.org/officeDocument/2006/math">
                     <m:oMathParaPr>
@@ -20945,7 +20955,7 @@
             </p:txBody>
           </p:sp>
         </mc:Choice>
-        <mc:Fallback>
+        <mc:Fallback xmlns="">
           <p:sp>
             <p:nvSpPr>
               <p:cNvPr id="4" name="ZoneTexte 3">
@@ -22462,15 +22472,6 @@
 </file>
 
 <file path=customXml/item1.xml><?xml version="1.0" encoding="utf-8"?>
-<?mso-contentType ?>
-<FormTemplates xmlns="http://schemas.microsoft.com/sharepoint/v3/contenttype/forms">
-  <Display>DocumentLibraryForm</Display>
-  <Edit>DocumentLibraryForm</Edit>
-  <New>DocumentLibraryForm</New>
-</FormTemplates>
-</file>
-
-<file path=customXml/item2.xml><?xml version="1.0" encoding="utf-8"?>
 <p:properties xmlns:p="http://schemas.microsoft.com/office/2006/metadata/properties" xmlns:xsi="http://www.w3.org/2001/XMLSchema-instance" xmlns:pc="http://schemas.microsoft.com/office/infopath/2007/PartnerControls">
   <documentManagement>
     <_ip_UnifiedCompliancePolicyUIAction xmlns="http://schemas.microsoft.com/sharepoint/v3" xsi:nil="true"/>
@@ -22487,6 +22488,15 @@
     <MediaServiceKeyPoints xmlns="71af3243-3dd4-4a8d-8c0d-dd76da1f02a5" xsi:nil="true"/>
   </documentManagement>
 </p:properties>
+</file>
+
+<file path=customXml/item2.xml><?xml version="1.0" encoding="utf-8"?>
+<?mso-contentType ?>
+<FormTemplates xmlns="http://schemas.microsoft.com/sharepoint/v3/contenttype/forms">
+  <Display>DocumentLibraryForm</Display>
+  <Edit>DocumentLibraryForm</Edit>
+  <New>DocumentLibraryForm</New>
+</FormTemplates>
 </file>
 
 <file path=customXml/item3.xml><?xml version="1.0" encoding="utf-8"?>
@@ -22766,14 +22776,6 @@
 </file>
 
 <file path=customXml/itemProps1.xml><?xml version="1.0" encoding="utf-8"?>
-<ds:datastoreItem xmlns:ds="http://schemas.openxmlformats.org/officeDocument/2006/customXml" ds:itemID="{2D446390-8521-40A2-A462-EA068123BED9}">
-  <ds:schemaRefs>
-    <ds:schemaRef ds:uri="http://schemas.microsoft.com/sharepoint/v3/contenttype/forms"/>
-  </ds:schemaRefs>
-</ds:datastoreItem>
-</file>
-
-<file path=customXml/itemProps2.xml><?xml version="1.0" encoding="utf-8"?>
 <ds:datastoreItem xmlns:ds="http://schemas.openxmlformats.org/officeDocument/2006/customXml" ds:itemID="{B5BA3906-9696-4247-AC0D-DD5C26B2A70A}">
   <ds:schemaRefs>
     <ds:schemaRef ds:uri="http://schemas.microsoft.com/office/2006/metadata/properties"/>
@@ -22781,6 +22783,14 @@
     <ds:schemaRef ds:uri="http://schemas.microsoft.com/sharepoint/v3"/>
     <ds:schemaRef ds:uri="71af3243-3dd4-4a8d-8c0d-dd76da1f02a5"/>
     <ds:schemaRef ds:uri="230e9df3-be65-4c73-a93b-d1236ebd677e"/>
+  </ds:schemaRefs>
+</ds:datastoreItem>
+</file>
+
+<file path=customXml/itemProps2.xml><?xml version="1.0" encoding="utf-8"?>
+<ds:datastoreItem xmlns:ds="http://schemas.openxmlformats.org/officeDocument/2006/customXml" ds:itemID="{2D446390-8521-40A2-A462-EA068123BED9}">
+  <ds:schemaRefs>
+    <ds:schemaRef ds:uri="http://schemas.microsoft.com/sharepoint/v3/contenttype/forms"/>
   </ds:schemaRefs>
 </ds:datastoreItem>
 </file>
